--- a/embedded_electronics/Regul_Temp_L432KC/Regul_Temp_L432KC_doc.pptx
+++ b/embedded_electronics/Regul_Temp_L432KC/Regul_Temp_L432KC_doc.pptx
@@ -198,7 +198,7 @@
           <a:p>
             <a:fld id="{A63A71F6-3B49-4358-957E-A92BEFE4DD94}" type="datetimeFigureOut">
               <a:rPr lang="fr-FR" smtClean="0"/>
-              <a:t>22/05/2025</a:t>
+              <a:t>26/05/2025</a:t>
             </a:fld>
             <a:endParaRPr lang="fr-FR"/>
           </a:p>
@@ -882,7 +882,7 @@
           <a:p>
             <a:fld id="{9F9D7BD0-09ED-4241-9B50-84DC221E5746}" type="datetimeFigureOut">
               <a:rPr lang="fr-FR" smtClean="0"/>
-              <a:t>22/05/2025</a:t>
+              <a:t>26/05/2025</a:t>
             </a:fld>
             <a:endParaRPr lang="fr-FR"/>
           </a:p>
@@ -1080,7 +1080,7 @@
           <a:p>
             <a:fld id="{9F9D7BD0-09ED-4241-9B50-84DC221E5746}" type="datetimeFigureOut">
               <a:rPr lang="fr-FR" smtClean="0"/>
-              <a:t>22/05/2025</a:t>
+              <a:t>26/05/2025</a:t>
             </a:fld>
             <a:endParaRPr lang="fr-FR"/>
           </a:p>
@@ -1288,7 +1288,7 @@
           <a:p>
             <a:fld id="{9F9D7BD0-09ED-4241-9B50-84DC221E5746}" type="datetimeFigureOut">
               <a:rPr lang="fr-FR" smtClean="0"/>
-              <a:t>22/05/2025</a:t>
+              <a:t>26/05/2025</a:t>
             </a:fld>
             <a:endParaRPr lang="fr-FR"/>
           </a:p>
@@ -1486,7 +1486,7 @@
           <a:p>
             <a:fld id="{9F9D7BD0-09ED-4241-9B50-84DC221E5746}" type="datetimeFigureOut">
               <a:rPr lang="fr-FR" smtClean="0"/>
-              <a:t>22/05/2025</a:t>
+              <a:t>26/05/2025</a:t>
             </a:fld>
             <a:endParaRPr lang="fr-FR"/>
           </a:p>
@@ -1761,7 +1761,7 @@
           <a:p>
             <a:fld id="{9F9D7BD0-09ED-4241-9B50-84DC221E5746}" type="datetimeFigureOut">
               <a:rPr lang="fr-FR" smtClean="0"/>
-              <a:t>22/05/2025</a:t>
+              <a:t>26/05/2025</a:t>
             </a:fld>
             <a:endParaRPr lang="fr-FR"/>
           </a:p>
@@ -2026,7 +2026,7 @@
           <a:p>
             <a:fld id="{9F9D7BD0-09ED-4241-9B50-84DC221E5746}" type="datetimeFigureOut">
               <a:rPr lang="fr-FR" smtClean="0"/>
-              <a:t>22/05/2025</a:t>
+              <a:t>26/05/2025</a:t>
             </a:fld>
             <a:endParaRPr lang="fr-FR"/>
           </a:p>
@@ -2438,7 +2438,7 @@
           <a:p>
             <a:fld id="{9F9D7BD0-09ED-4241-9B50-84DC221E5746}" type="datetimeFigureOut">
               <a:rPr lang="fr-FR" smtClean="0"/>
-              <a:t>22/05/2025</a:t>
+              <a:t>26/05/2025</a:t>
             </a:fld>
             <a:endParaRPr lang="fr-FR"/>
           </a:p>
@@ -2579,7 +2579,7 @@
           <a:p>
             <a:fld id="{9F9D7BD0-09ED-4241-9B50-84DC221E5746}" type="datetimeFigureOut">
               <a:rPr lang="fr-FR" smtClean="0"/>
-              <a:t>22/05/2025</a:t>
+              <a:t>26/05/2025</a:t>
             </a:fld>
             <a:endParaRPr lang="fr-FR"/>
           </a:p>
@@ -2692,7 +2692,7 @@
           <a:p>
             <a:fld id="{9F9D7BD0-09ED-4241-9B50-84DC221E5746}" type="datetimeFigureOut">
               <a:rPr lang="fr-FR" smtClean="0"/>
-              <a:t>22/05/2025</a:t>
+              <a:t>26/05/2025</a:t>
             </a:fld>
             <a:endParaRPr lang="fr-FR"/>
           </a:p>
@@ -3003,7 +3003,7 @@
           <a:p>
             <a:fld id="{9F9D7BD0-09ED-4241-9B50-84DC221E5746}" type="datetimeFigureOut">
               <a:rPr lang="fr-FR" smtClean="0"/>
-              <a:t>22/05/2025</a:t>
+              <a:t>26/05/2025</a:t>
             </a:fld>
             <a:endParaRPr lang="fr-FR"/>
           </a:p>
@@ -3291,7 +3291,7 @@
           <a:p>
             <a:fld id="{9F9D7BD0-09ED-4241-9B50-84DC221E5746}" type="datetimeFigureOut">
               <a:rPr lang="fr-FR" smtClean="0"/>
-              <a:t>22/05/2025</a:t>
+              <a:t>26/05/2025</a:t>
             </a:fld>
             <a:endParaRPr lang="fr-FR"/>
           </a:p>
@@ -3532,7 +3532,7 @@
           <a:p>
             <a:fld id="{9F9D7BD0-09ED-4241-9B50-84DC221E5746}" type="datetimeFigureOut">
               <a:rPr lang="fr-FR" smtClean="0"/>
-              <a:t>22/05/2025</a:t>
+              <a:t>26/05/2025</a:t>
             </a:fld>
             <a:endParaRPr lang="fr-FR"/>
           </a:p>
@@ -4321,8 +4321,8 @@
         </p:nvSpPr>
         <p:spPr>
           <a:xfrm>
-            <a:off x="387770" y="1426144"/>
-            <a:ext cx="1578600" cy="210240"/>
+            <a:off x="1137578" y="1571888"/>
+            <a:ext cx="1217059" cy="183368"/>
           </a:xfrm>
           <a:prstGeom prst="roundRect">
             <a:avLst>
@@ -4393,8 +4393,8 @@
         </p:nvSpPr>
         <p:spPr>
           <a:xfrm>
-            <a:off x="387770" y="1693984"/>
-            <a:ext cx="1578600" cy="210240"/>
+            <a:off x="1137578" y="1839728"/>
+            <a:ext cx="1217059" cy="183368"/>
           </a:xfrm>
           <a:prstGeom prst="roundRect">
             <a:avLst>
@@ -4465,8 +4465,8 @@
         </p:nvSpPr>
         <p:spPr>
           <a:xfrm>
-            <a:off x="387770" y="1953904"/>
-            <a:ext cx="1578600" cy="210240"/>
+            <a:off x="1137578" y="2099648"/>
+            <a:ext cx="1217059" cy="183368"/>
           </a:xfrm>
           <a:prstGeom prst="roundRect">
             <a:avLst>
@@ -4654,7 +4654,7 @@
                 <a:latin typeface="Calibri"/>
                 <a:ea typeface="DejaVu Sans"/>
               </a:rPr>
-              <a:t>Consigne</a:t>
+              <a:t>CONS_A*</a:t>
             </a:r>
             <a:endParaRPr lang="fr-FR" sz="1400" b="0" strike="noStrike" spc="-1" dirty="0">
               <a:latin typeface="Arial"/>
@@ -4985,7 +4985,7 @@
                 <a:latin typeface="Calibri"/>
                 <a:ea typeface="DejaVu Sans"/>
               </a:rPr>
-              <a:t>Mesure*</a:t>
+              <a:t>MES_A</a:t>
             </a:r>
             <a:endParaRPr lang="fr-FR" sz="1400" b="0" strike="noStrike" spc="-1" dirty="0">
               <a:latin typeface="Arial"/>
@@ -5388,20 +5388,7 @@
                 <a:latin typeface="Calibri"/>
                 <a:ea typeface="DejaVu Sans"/>
               </a:rPr>
-              <a:t>Mesure</a:t>
-            </a:r>
-            <a:br>
-              <a:rPr lang="fr-FR" sz="1400" b="0" strike="noStrike" spc="-1" dirty="0">
-                <a:latin typeface="Calibri"/>
-                <a:ea typeface="DejaVu Sans"/>
-              </a:rPr>
-            </a:br>
-            <a:r>
-              <a:rPr lang="fr-FR" sz="1100" b="0" strike="noStrike" spc="-1" dirty="0">
-                <a:latin typeface="Calibri"/>
-                <a:ea typeface="DejaVu Sans"/>
-              </a:rPr>
-              <a:t>numérisée</a:t>
+              <a:t>MES_N</a:t>
             </a:r>
             <a:endParaRPr lang="fr-FR" sz="1400" b="0" strike="noStrike" spc="-1" dirty="0">
               <a:latin typeface="Arial"/>
@@ -5736,7 +5723,7 @@
                 <a:latin typeface="Calibri"/>
                 <a:ea typeface="DejaVu Sans"/>
               </a:rPr>
-              <a:t>Signe</a:t>
+              <a:t>SIG</a:t>
             </a:r>
             <a:endParaRPr lang="fr-FR" sz="1400" b="0" strike="noStrike" spc="-1" dirty="0">
               <a:latin typeface="Arial"/>
@@ -5805,20 +5792,7 @@
                 <a:latin typeface="Calibri"/>
                 <a:ea typeface="DejaVu Sans"/>
               </a:rPr>
-              <a:t>Erreur</a:t>
-            </a:r>
-            <a:br>
-              <a:rPr lang="fr-FR" sz="1800" b="0" strike="noStrike" spc="-1" dirty="0">
-                <a:latin typeface="Calibri"/>
-                <a:ea typeface="DejaVu Sans"/>
-              </a:rPr>
-            </a:br>
-            <a:r>
-              <a:rPr lang="fr-FR" sz="1100" b="0" strike="noStrike" spc="-1" dirty="0">
-                <a:latin typeface="Calibri"/>
-                <a:ea typeface="DejaVu Sans"/>
-              </a:rPr>
-              <a:t>numérisée</a:t>
+              <a:t>ERR_N</a:t>
             </a:r>
             <a:endParaRPr lang="fr-FR" sz="1400" b="0" strike="noStrike" spc="-1" dirty="0">
               <a:latin typeface="Arial"/>
@@ -6144,7 +6118,7 @@
                 <a:latin typeface="Calibri"/>
                 <a:ea typeface="DejaVu Sans"/>
               </a:rPr>
-              <a:t>Horloge</a:t>
+              <a:t>CLK</a:t>
             </a:r>
             <a:endParaRPr lang="fr-FR" sz="1400" b="0" strike="noStrike" spc="-1" dirty="0">
               <a:latin typeface="Arial"/>
@@ -6776,10 +6750,9 @@
           <a:lstStyle/>
           <a:p>
             <a:r>
-              <a:rPr lang="fr-FR" sz="1200" b="1" dirty="0" err="1"/>
+              <a:rPr lang="fr-FR" sz="1200" b="1" dirty="0"/>
               <a:t>Microcontroleur</a:t>
             </a:r>
-            <a:endParaRPr lang="fr-FR" sz="1200" b="1" dirty="0"/>
           </a:p>
         </p:txBody>
       </p:sp>
@@ -6797,7 +6770,7 @@
         </p:nvSpPr>
         <p:spPr>
           <a:xfrm>
-            <a:off x="285120" y="6407841"/>
+            <a:off x="1294992" y="5897912"/>
             <a:ext cx="3022253" cy="276999"/>
           </a:xfrm>
           <a:prstGeom prst="rect">
@@ -6832,8 +6805,8 @@
         </p:nvSpPr>
         <p:spPr>
           <a:xfrm>
-            <a:off x="1333921" y="2687913"/>
-            <a:ext cx="1047416" cy="409907"/>
+            <a:off x="948715" y="2889081"/>
+            <a:ext cx="1423478" cy="409907"/>
           </a:xfrm>
           <a:prstGeom prst="roundRect">
             <a:avLst>
@@ -6879,7 +6852,7 @@
                 <a:latin typeface="Calibri"/>
                 <a:ea typeface="DejaVu Sans"/>
               </a:rPr>
-              <a:t>Mode</a:t>
+              <a:t>Suiveur (0) Régulation (1)</a:t>
             </a:r>
             <a:endParaRPr lang="fr-FR" sz="1400" b="0" strike="noStrike" spc="-1" dirty="0">
               <a:latin typeface="Arial"/>
@@ -6904,7 +6877,7 @@
         </p:nvCxnSpPr>
         <p:spPr>
           <a:xfrm flipV="1">
-            <a:off x="2381337" y="2887323"/>
+            <a:off x="2372193" y="3088491"/>
             <a:ext cx="2500529" cy="5544"/>
           </a:xfrm>
           <a:prstGeom prst="straightConnector1">
@@ -7040,9 +7013,9 @@
           <p:nvPr/>
         </p:nvCxnSpPr>
         <p:spPr>
-          <a:xfrm flipV="1">
+          <a:xfrm flipH="1" flipV="1">
             <a:off x="4881866" y="1856828"/>
-            <a:ext cx="0" cy="1028756"/>
+            <a:ext cx="4662" cy="1231663"/>
           </a:xfrm>
           <a:prstGeom prst="straightConnector1">
             <a:avLst/>
@@ -7133,7 +7106,7 @@
         </p:nvSpPr>
         <p:spPr>
           <a:xfrm>
-            <a:off x="7198292" y="6407841"/>
+            <a:off x="5191621" y="5894952"/>
             <a:ext cx="4974746" cy="276999"/>
           </a:xfrm>
           <a:prstGeom prst="rect">
@@ -7479,8 +7452,8 @@
         </p:nvSpPr>
         <p:spPr>
           <a:xfrm>
-            <a:off x="387770" y="2209833"/>
-            <a:ext cx="1578600" cy="210240"/>
+            <a:off x="1137578" y="2355577"/>
+            <a:ext cx="1217059" cy="183368"/>
           </a:xfrm>
           <a:prstGeom prst="roundRect">
             <a:avLst>

--- a/embedded_electronics/Regul_Temp_L432KC/Regul_Temp_L432KC_doc.pptx
+++ b/embedded_electronics/Regul_Temp_L432KC/Regul_Temp_L432KC_doc.pptx
@@ -198,7 +198,7 @@
           <a:p>
             <a:fld id="{A63A71F6-3B49-4358-957E-A92BEFE4DD94}" type="datetimeFigureOut">
               <a:rPr lang="fr-FR" smtClean="0"/>
-              <a:t>26/05/2025</a:t>
+              <a:t>03/06/2025</a:t>
             </a:fld>
             <a:endParaRPr lang="fr-FR"/>
           </a:p>
@@ -882,7 +882,7 @@
           <a:p>
             <a:fld id="{9F9D7BD0-09ED-4241-9B50-84DC221E5746}" type="datetimeFigureOut">
               <a:rPr lang="fr-FR" smtClean="0"/>
-              <a:t>26/05/2025</a:t>
+              <a:t>03/06/2025</a:t>
             </a:fld>
             <a:endParaRPr lang="fr-FR"/>
           </a:p>
@@ -1080,7 +1080,7 @@
           <a:p>
             <a:fld id="{9F9D7BD0-09ED-4241-9B50-84DC221E5746}" type="datetimeFigureOut">
               <a:rPr lang="fr-FR" smtClean="0"/>
-              <a:t>26/05/2025</a:t>
+              <a:t>03/06/2025</a:t>
             </a:fld>
             <a:endParaRPr lang="fr-FR"/>
           </a:p>
@@ -1288,7 +1288,7 @@
           <a:p>
             <a:fld id="{9F9D7BD0-09ED-4241-9B50-84DC221E5746}" type="datetimeFigureOut">
               <a:rPr lang="fr-FR" smtClean="0"/>
-              <a:t>26/05/2025</a:t>
+              <a:t>03/06/2025</a:t>
             </a:fld>
             <a:endParaRPr lang="fr-FR"/>
           </a:p>
@@ -1486,7 +1486,7 @@
           <a:p>
             <a:fld id="{9F9D7BD0-09ED-4241-9B50-84DC221E5746}" type="datetimeFigureOut">
               <a:rPr lang="fr-FR" smtClean="0"/>
-              <a:t>26/05/2025</a:t>
+              <a:t>03/06/2025</a:t>
             </a:fld>
             <a:endParaRPr lang="fr-FR"/>
           </a:p>
@@ -1761,7 +1761,7 @@
           <a:p>
             <a:fld id="{9F9D7BD0-09ED-4241-9B50-84DC221E5746}" type="datetimeFigureOut">
               <a:rPr lang="fr-FR" smtClean="0"/>
-              <a:t>26/05/2025</a:t>
+              <a:t>03/06/2025</a:t>
             </a:fld>
             <a:endParaRPr lang="fr-FR"/>
           </a:p>
@@ -2026,7 +2026,7 @@
           <a:p>
             <a:fld id="{9F9D7BD0-09ED-4241-9B50-84DC221E5746}" type="datetimeFigureOut">
               <a:rPr lang="fr-FR" smtClean="0"/>
-              <a:t>26/05/2025</a:t>
+              <a:t>03/06/2025</a:t>
             </a:fld>
             <a:endParaRPr lang="fr-FR"/>
           </a:p>
@@ -2438,7 +2438,7 @@
           <a:p>
             <a:fld id="{9F9D7BD0-09ED-4241-9B50-84DC221E5746}" type="datetimeFigureOut">
               <a:rPr lang="fr-FR" smtClean="0"/>
-              <a:t>26/05/2025</a:t>
+              <a:t>03/06/2025</a:t>
             </a:fld>
             <a:endParaRPr lang="fr-FR"/>
           </a:p>
@@ -2579,7 +2579,7 @@
           <a:p>
             <a:fld id="{9F9D7BD0-09ED-4241-9B50-84DC221E5746}" type="datetimeFigureOut">
               <a:rPr lang="fr-FR" smtClean="0"/>
-              <a:t>26/05/2025</a:t>
+              <a:t>03/06/2025</a:t>
             </a:fld>
             <a:endParaRPr lang="fr-FR"/>
           </a:p>
@@ -2692,7 +2692,7 @@
           <a:p>
             <a:fld id="{9F9D7BD0-09ED-4241-9B50-84DC221E5746}" type="datetimeFigureOut">
               <a:rPr lang="fr-FR" smtClean="0"/>
-              <a:t>26/05/2025</a:t>
+              <a:t>03/06/2025</a:t>
             </a:fld>
             <a:endParaRPr lang="fr-FR"/>
           </a:p>
@@ -3003,7 +3003,7 @@
           <a:p>
             <a:fld id="{9F9D7BD0-09ED-4241-9B50-84DC221E5746}" type="datetimeFigureOut">
               <a:rPr lang="fr-FR" smtClean="0"/>
-              <a:t>26/05/2025</a:t>
+              <a:t>03/06/2025</a:t>
             </a:fld>
             <a:endParaRPr lang="fr-FR"/>
           </a:p>
@@ -3291,7 +3291,7 @@
           <a:p>
             <a:fld id="{9F9D7BD0-09ED-4241-9B50-84DC221E5746}" type="datetimeFigureOut">
               <a:rPr lang="fr-FR" smtClean="0"/>
-              <a:t>26/05/2025</a:t>
+              <a:t>03/06/2025</a:t>
             </a:fld>
             <a:endParaRPr lang="fr-FR"/>
           </a:p>
@@ -3532,7 +3532,7 @@
           <a:p>
             <a:fld id="{9F9D7BD0-09ED-4241-9B50-84DC221E5746}" type="datetimeFigureOut">
               <a:rPr lang="fr-FR" smtClean="0"/>
-              <a:t>26/05/2025</a:t>
+              <a:t>03/06/2025</a:t>
             </a:fld>
             <a:endParaRPr lang="fr-FR"/>
           </a:p>
@@ -7507,6 +7507,55 @@
           </a:p>
         </p:txBody>
       </p:sp>
+      <p:sp>
+        <p:nvSpPr>
+          <p:cNvPr id="6" name="Rectangle 5">
+            <a:extLst>
+              <a:ext uri="{FF2B5EF4-FFF2-40B4-BE49-F238E27FC236}">
+                <a16:creationId xmlns:a16="http://schemas.microsoft.com/office/drawing/2014/main" id="{3CC8FE23-5898-C16A-5F07-2471856663F8}"/>
+              </a:ext>
+            </a:extLst>
+          </p:cNvPr>
+          <p:cNvSpPr/>
+          <p:nvPr/>
+        </p:nvSpPr>
+        <p:spPr>
+          <a:xfrm>
+            <a:off x="3352974" y="6361863"/>
+            <a:ext cx="7296172" cy="371495"/>
+          </a:xfrm>
+          <a:prstGeom prst="rect">
+            <a:avLst/>
+          </a:prstGeom>
+        </p:spPr>
+        <p:style>
+          <a:lnRef idx="2">
+            <a:schemeClr val="accent1">
+              <a:shade val="15000"/>
+            </a:schemeClr>
+          </a:lnRef>
+          <a:fillRef idx="1">
+            <a:schemeClr val="accent1"/>
+          </a:fillRef>
+          <a:effectRef idx="0">
+            <a:schemeClr val="accent1"/>
+          </a:effectRef>
+          <a:fontRef idx="minor">
+            <a:schemeClr val="lt1"/>
+          </a:fontRef>
+        </p:style>
+        <p:txBody>
+          <a:bodyPr rtlCol="0" anchor="ctr"/>
+          <a:lstStyle/>
+          <a:p>
+            <a:pPr algn="ctr"/>
+            <a:r>
+              <a:rPr lang="fr-FR" dirty="0"/>
+              <a:t>Attention : SB16 et SB18 doivent être retirés sur les cartes L432KC</a:t>
+            </a:r>
+          </a:p>
+        </p:txBody>
+      </p:sp>
     </p:spTree>
     <p:extLst>
       <p:ext uri="{BB962C8B-B14F-4D97-AF65-F5344CB8AC3E}">
@@ -9687,7 +9736,7 @@
                 <a:latin typeface="Calibri"/>
                 <a:ea typeface="DejaVu Sans"/>
               </a:rPr>
-              <a:t>PA_2</a:t>
+              <a:t>PA_2*</a:t>
             </a:r>
             <a:endParaRPr lang="fr-FR" sz="1200" b="0" strike="noStrike" spc="-1" dirty="0">
               <a:latin typeface="Arial"/>
@@ -9825,11 +9874,135 @@
                 <a:latin typeface="Calibri"/>
                 <a:ea typeface="DejaVu Sans"/>
               </a:rPr>
-              <a:t>Horloge</a:t>
+              <a:t>Horloge**</a:t>
             </a:r>
             <a:endParaRPr lang="fr-FR" sz="1200" b="0" strike="noStrike" spc="-1" dirty="0">
               <a:latin typeface="Arial"/>
             </a:endParaRPr>
+          </a:p>
+        </p:txBody>
+      </p:sp>
+      <p:sp>
+        <p:nvSpPr>
+          <p:cNvPr id="5" name="ZoneTexte 4">
+            <a:extLst>
+              <a:ext uri="{FF2B5EF4-FFF2-40B4-BE49-F238E27FC236}">
+                <a16:creationId xmlns:a16="http://schemas.microsoft.com/office/drawing/2014/main" id="{FBD8EE40-8E71-D8F1-A5F1-26DB891972B0}"/>
+              </a:ext>
+            </a:extLst>
+          </p:cNvPr>
+          <p:cNvSpPr txBox="1"/>
+          <p:nvPr/>
+        </p:nvSpPr>
+        <p:spPr>
+          <a:xfrm>
+            <a:off x="6855173" y="5272221"/>
+            <a:ext cx="3022253" cy="276999"/>
+          </a:xfrm>
+          <a:prstGeom prst="rect">
+            <a:avLst/>
+          </a:prstGeom>
+          <a:noFill/>
+        </p:spPr>
+        <p:txBody>
+          <a:bodyPr wrap="square" rtlCol="0">
+            <a:spAutoFit/>
+          </a:bodyPr>
+          <a:lstStyle/>
+          <a:p>
+            <a:r>
+              <a:rPr lang="fr-FR" sz="1200" i="1" dirty="0"/>
+              <a:t>* Non utilisable sur L432KC !!</a:t>
+            </a:r>
+          </a:p>
+        </p:txBody>
+      </p:sp>
+      <p:sp>
+        <p:nvSpPr>
+          <p:cNvPr id="8" name="ZoneTexte 7">
+            <a:extLst>
+              <a:ext uri="{FF2B5EF4-FFF2-40B4-BE49-F238E27FC236}">
+                <a16:creationId xmlns:a16="http://schemas.microsoft.com/office/drawing/2014/main" id="{C548D6B4-0ACE-24A0-7B52-6C70C88517D2}"/>
+              </a:ext>
+            </a:extLst>
+          </p:cNvPr>
+          <p:cNvSpPr txBox="1"/>
+          <p:nvPr/>
+        </p:nvSpPr>
+        <p:spPr>
+          <a:xfrm>
+            <a:off x="6855173" y="5563144"/>
+            <a:ext cx="3022253" cy="276999"/>
+          </a:xfrm>
+          <a:prstGeom prst="rect">
+            <a:avLst/>
+          </a:prstGeom>
+          <a:noFill/>
+        </p:spPr>
+        <p:txBody>
+          <a:bodyPr wrap="square" rtlCol="0">
+            <a:spAutoFit/>
+          </a:bodyPr>
+          <a:lstStyle/>
+          <a:p>
+            <a:r>
+              <a:rPr lang="fr-FR" sz="1200" i="1" dirty="0"/>
+              <a:t>** </a:t>
+            </a:r>
+            <a:r>
+              <a:rPr lang="fr-FR" sz="1200" i="1"/>
+              <a:t>Non connectée</a:t>
+            </a:r>
+            <a:endParaRPr lang="fr-FR" sz="1200" i="1" dirty="0"/>
+          </a:p>
+        </p:txBody>
+      </p:sp>
+      <p:sp>
+        <p:nvSpPr>
+          <p:cNvPr id="11" name="Rectangle 10">
+            <a:extLst>
+              <a:ext uri="{FF2B5EF4-FFF2-40B4-BE49-F238E27FC236}">
+                <a16:creationId xmlns:a16="http://schemas.microsoft.com/office/drawing/2014/main" id="{39F47A50-4291-AE7F-6F92-63C192289549}"/>
+              </a:ext>
+            </a:extLst>
+          </p:cNvPr>
+          <p:cNvSpPr/>
+          <p:nvPr/>
+        </p:nvSpPr>
+        <p:spPr>
+          <a:xfrm>
+            <a:off x="3352974" y="6361863"/>
+            <a:ext cx="7296172" cy="371495"/>
+          </a:xfrm>
+          <a:prstGeom prst="rect">
+            <a:avLst/>
+          </a:prstGeom>
+        </p:spPr>
+        <p:style>
+          <a:lnRef idx="2">
+            <a:schemeClr val="accent1">
+              <a:shade val="15000"/>
+            </a:schemeClr>
+          </a:lnRef>
+          <a:fillRef idx="1">
+            <a:schemeClr val="accent1"/>
+          </a:fillRef>
+          <a:effectRef idx="0">
+            <a:schemeClr val="accent1"/>
+          </a:effectRef>
+          <a:fontRef idx="minor">
+            <a:schemeClr val="lt1"/>
+          </a:fontRef>
+        </p:style>
+        <p:txBody>
+          <a:bodyPr rtlCol="0" anchor="ctr"/>
+          <a:lstStyle/>
+          <a:p>
+            <a:pPr algn="ctr"/>
+            <a:r>
+              <a:rPr lang="fr-FR" dirty="0"/>
+              <a:t>Attention : SB16 et SB18 doivent être retirés sur les cartes L432KC</a:t>
+            </a:r>
           </a:p>
         </p:txBody>
       </p:sp>

--- a/embedded_electronics/Regul_Temp_L432KC/Regul_Temp_L432KC_doc.pptx
+++ b/embedded_electronics/Regul_Temp_L432KC/Regul_Temp_L432KC_doc.pptx
@@ -198,7 +198,7 @@
           <a:p>
             <a:fld id="{A63A71F6-3B49-4358-957E-A92BEFE4DD94}" type="datetimeFigureOut">
               <a:rPr lang="fr-FR" smtClean="0"/>
-              <a:t>03/06/2025</a:t>
+              <a:t>17/06/2025</a:t>
             </a:fld>
             <a:endParaRPr lang="fr-FR"/>
           </a:p>
@@ -882,7 +882,7 @@
           <a:p>
             <a:fld id="{9F9D7BD0-09ED-4241-9B50-84DC221E5746}" type="datetimeFigureOut">
               <a:rPr lang="fr-FR" smtClean="0"/>
-              <a:t>03/06/2025</a:t>
+              <a:t>17/06/2025</a:t>
             </a:fld>
             <a:endParaRPr lang="fr-FR"/>
           </a:p>
@@ -1080,7 +1080,7 @@
           <a:p>
             <a:fld id="{9F9D7BD0-09ED-4241-9B50-84DC221E5746}" type="datetimeFigureOut">
               <a:rPr lang="fr-FR" smtClean="0"/>
-              <a:t>03/06/2025</a:t>
+              <a:t>17/06/2025</a:t>
             </a:fld>
             <a:endParaRPr lang="fr-FR"/>
           </a:p>
@@ -1288,7 +1288,7 @@
           <a:p>
             <a:fld id="{9F9D7BD0-09ED-4241-9B50-84DC221E5746}" type="datetimeFigureOut">
               <a:rPr lang="fr-FR" smtClean="0"/>
-              <a:t>03/06/2025</a:t>
+              <a:t>17/06/2025</a:t>
             </a:fld>
             <a:endParaRPr lang="fr-FR"/>
           </a:p>
@@ -1486,7 +1486,7 @@
           <a:p>
             <a:fld id="{9F9D7BD0-09ED-4241-9B50-84DC221E5746}" type="datetimeFigureOut">
               <a:rPr lang="fr-FR" smtClean="0"/>
-              <a:t>03/06/2025</a:t>
+              <a:t>17/06/2025</a:t>
             </a:fld>
             <a:endParaRPr lang="fr-FR"/>
           </a:p>
@@ -1761,7 +1761,7 @@
           <a:p>
             <a:fld id="{9F9D7BD0-09ED-4241-9B50-84DC221E5746}" type="datetimeFigureOut">
               <a:rPr lang="fr-FR" smtClean="0"/>
-              <a:t>03/06/2025</a:t>
+              <a:t>17/06/2025</a:t>
             </a:fld>
             <a:endParaRPr lang="fr-FR"/>
           </a:p>
@@ -2026,7 +2026,7 @@
           <a:p>
             <a:fld id="{9F9D7BD0-09ED-4241-9B50-84DC221E5746}" type="datetimeFigureOut">
               <a:rPr lang="fr-FR" smtClean="0"/>
-              <a:t>03/06/2025</a:t>
+              <a:t>17/06/2025</a:t>
             </a:fld>
             <a:endParaRPr lang="fr-FR"/>
           </a:p>
@@ -2438,7 +2438,7 @@
           <a:p>
             <a:fld id="{9F9D7BD0-09ED-4241-9B50-84DC221E5746}" type="datetimeFigureOut">
               <a:rPr lang="fr-FR" smtClean="0"/>
-              <a:t>03/06/2025</a:t>
+              <a:t>17/06/2025</a:t>
             </a:fld>
             <a:endParaRPr lang="fr-FR"/>
           </a:p>
@@ -2579,7 +2579,7 @@
           <a:p>
             <a:fld id="{9F9D7BD0-09ED-4241-9B50-84DC221E5746}" type="datetimeFigureOut">
               <a:rPr lang="fr-FR" smtClean="0"/>
-              <a:t>03/06/2025</a:t>
+              <a:t>17/06/2025</a:t>
             </a:fld>
             <a:endParaRPr lang="fr-FR"/>
           </a:p>
@@ -2692,7 +2692,7 @@
           <a:p>
             <a:fld id="{9F9D7BD0-09ED-4241-9B50-84DC221E5746}" type="datetimeFigureOut">
               <a:rPr lang="fr-FR" smtClean="0"/>
-              <a:t>03/06/2025</a:t>
+              <a:t>17/06/2025</a:t>
             </a:fld>
             <a:endParaRPr lang="fr-FR"/>
           </a:p>
@@ -3003,7 +3003,7 @@
           <a:p>
             <a:fld id="{9F9D7BD0-09ED-4241-9B50-84DC221E5746}" type="datetimeFigureOut">
               <a:rPr lang="fr-FR" smtClean="0"/>
-              <a:t>03/06/2025</a:t>
+              <a:t>17/06/2025</a:t>
             </a:fld>
             <a:endParaRPr lang="fr-FR"/>
           </a:p>
@@ -3291,7 +3291,7 @@
           <a:p>
             <a:fld id="{9F9D7BD0-09ED-4241-9B50-84DC221E5746}" type="datetimeFigureOut">
               <a:rPr lang="fr-FR" smtClean="0"/>
-              <a:t>03/06/2025</a:t>
+              <a:t>17/06/2025</a:t>
             </a:fld>
             <a:endParaRPr lang="fr-FR"/>
           </a:p>
@@ -3532,7 +3532,7 @@
           <a:p>
             <a:fld id="{9F9D7BD0-09ED-4241-9B50-84DC221E5746}" type="datetimeFigureOut">
               <a:rPr lang="fr-FR" smtClean="0"/>
-              <a:t>03/06/2025</a:t>
+              <a:t>17/06/2025</a:t>
             </a:fld>
             <a:endParaRPr lang="fr-FR"/>
           </a:p>
@@ -3964,7 +3964,7 @@
         <p:spPr>
           <a:xfrm>
             <a:off x="2649036" y="1701165"/>
-            <a:ext cx="5819044" cy="4063366"/>
+            <a:ext cx="5457729" cy="4063366"/>
           </a:xfrm>
           <a:prstGeom prst="rect">
             <a:avLst/>
@@ -4607,8 +4607,8 @@
         </p:nvSpPr>
         <p:spPr>
           <a:xfrm>
-            <a:off x="1333921" y="3553587"/>
-            <a:ext cx="1047416" cy="409907"/>
+            <a:off x="1137578" y="3553587"/>
+            <a:ext cx="1243759" cy="409907"/>
           </a:xfrm>
           <a:prstGeom prst="roundRect">
             <a:avLst>
@@ -4616,7 +4616,7 @@
             </a:avLst>
           </a:prstGeom>
           <a:solidFill>
-            <a:srgbClr val="70AD47"/>
+            <a:srgbClr val="FFFF00"/>
           </a:solidFill>
           <a:ln>
             <a:solidFill>
@@ -4654,7 +4654,7 @@
                 <a:latin typeface="Calibri"/>
                 <a:ea typeface="DejaVu Sans"/>
               </a:rPr>
-              <a:t>CONS_A*</a:t>
+              <a:t>CONSIGNE*</a:t>
             </a:r>
             <a:endParaRPr lang="fr-FR" sz="1400" b="0" strike="noStrike" spc="-1" dirty="0">
               <a:latin typeface="Arial"/>
@@ -4938,8 +4938,8 @@
         </p:nvSpPr>
         <p:spPr>
           <a:xfrm>
-            <a:off x="1333921" y="4100930"/>
-            <a:ext cx="1047416" cy="409907"/>
+            <a:off x="1137578" y="4100930"/>
+            <a:ext cx="1243759" cy="409907"/>
           </a:xfrm>
           <a:prstGeom prst="roundRect">
             <a:avLst>
@@ -5341,7 +5341,7 @@
         </p:nvSpPr>
         <p:spPr>
           <a:xfrm>
-            <a:off x="8699802" y="4353917"/>
+            <a:off x="8370618" y="4353917"/>
             <a:ext cx="1047416" cy="409907"/>
           </a:xfrm>
           <a:prstGeom prst="roundRect">
@@ -5415,7 +5415,7 @@
         <p:spPr>
           <a:xfrm>
             <a:off x="6605227" y="4558871"/>
-            <a:ext cx="2094575" cy="0"/>
+            <a:ext cx="1765391" cy="0"/>
           </a:xfrm>
           <a:prstGeom prst="straightConnector1">
             <a:avLst/>
@@ -5519,7 +5519,7 @@
         </p:nvCxnSpPr>
         <p:spPr>
           <a:xfrm>
-            <a:off x="6837256" y="3543276"/>
+            <a:off x="6508072" y="3543276"/>
             <a:ext cx="1849292" cy="0"/>
           </a:xfrm>
           <a:prstGeom prst="straightConnector1">
@@ -5607,7 +5607,7 @@
         <p:spPr>
           <a:xfrm>
             <a:off x="7198291" y="3889185"/>
-            <a:ext cx="853920" cy="250380"/>
+            <a:ext cx="594396" cy="250380"/>
           </a:xfrm>
           <a:prstGeom prst="roundRect">
             <a:avLst>
@@ -5676,7 +5676,7 @@
         </p:nvSpPr>
         <p:spPr>
           <a:xfrm>
-            <a:off x="8686548" y="3338322"/>
+            <a:off x="8357364" y="3338322"/>
             <a:ext cx="1047416" cy="409907"/>
           </a:xfrm>
           <a:prstGeom prst="roundRect">
@@ -5745,7 +5745,7 @@
         </p:nvSpPr>
         <p:spPr>
           <a:xfrm>
-            <a:off x="8686548" y="3813621"/>
+            <a:off x="8357364" y="3813621"/>
             <a:ext cx="1047416" cy="409907"/>
           </a:xfrm>
           <a:prstGeom prst="roundRect">
@@ -5818,8 +5818,8 @@
         </p:nvCxnSpPr>
         <p:spPr>
           <a:xfrm>
-            <a:off x="8052211" y="4014375"/>
-            <a:ext cx="634337" cy="4200"/>
+            <a:off x="7792687" y="4014375"/>
+            <a:ext cx="564677" cy="4200"/>
           </a:xfrm>
           <a:prstGeom prst="straightConnector1">
             <a:avLst/>
@@ -5952,8 +5952,8 @@
         </p:nvSpPr>
         <p:spPr>
           <a:xfrm>
-            <a:off x="2819986" y="5256642"/>
-            <a:ext cx="5551345" cy="409907"/>
+            <a:off x="2819987" y="5256642"/>
+            <a:ext cx="5080430" cy="409907"/>
           </a:xfrm>
           <a:prstGeom prst="roundRect">
             <a:avLst>
@@ -6006,121 +6006,6 @@
               <a:solidFill>
                 <a:schemeClr val="bg1"/>
               </a:solidFill>
-              <a:latin typeface="Arial"/>
-            </a:endParaRPr>
-          </a:p>
-        </p:txBody>
-      </p:sp>
-      <p:cxnSp>
-        <p:nvCxnSpPr>
-          <p:cNvPr id="122" name="Connecteur droit avec flèche 121">
-            <a:extLst>
-              <a:ext uri="{FF2B5EF4-FFF2-40B4-BE49-F238E27FC236}">
-                <a16:creationId xmlns:a16="http://schemas.microsoft.com/office/drawing/2014/main" id="{69FC65B7-A230-C716-47E8-BBF19BD52CBF}"/>
-              </a:ext>
-            </a:extLst>
-          </p:cNvPr>
-          <p:cNvCxnSpPr>
-            <a:cxnSpLocks/>
-            <a:stCxn id="121" idx="3"/>
-            <a:endCxn id="125" idx="1"/>
-          </p:cNvCxnSpPr>
-          <p:nvPr/>
-        </p:nvCxnSpPr>
-        <p:spPr>
-          <a:xfrm flipV="1">
-            <a:off x="8371331" y="5461595"/>
-            <a:ext cx="328471" cy="1"/>
-          </a:xfrm>
-          <a:prstGeom prst="straightConnector1">
-            <a:avLst/>
-          </a:prstGeom>
-          <a:ln w="38100">
-            <a:solidFill>
-              <a:schemeClr val="tx1"/>
-            </a:solidFill>
-            <a:tailEnd type="triangle"/>
-          </a:ln>
-        </p:spPr>
-        <p:style>
-          <a:lnRef idx="1">
-            <a:schemeClr val="accent1"/>
-          </a:lnRef>
-          <a:fillRef idx="0">
-            <a:schemeClr val="accent1"/>
-          </a:fillRef>
-          <a:effectRef idx="0">
-            <a:schemeClr val="accent1"/>
-          </a:effectRef>
-          <a:fontRef idx="minor">
-            <a:schemeClr val="tx1"/>
-          </a:fontRef>
-        </p:style>
-      </p:cxnSp>
-      <p:sp>
-        <p:nvSpPr>
-          <p:cNvPr id="125" name="CustomShape 25">
-            <a:extLst>
-              <a:ext uri="{FF2B5EF4-FFF2-40B4-BE49-F238E27FC236}">
-                <a16:creationId xmlns:a16="http://schemas.microsoft.com/office/drawing/2014/main" id="{C4BBED2D-D07F-CCBD-FE02-8C7BC6FFA078}"/>
-              </a:ext>
-            </a:extLst>
-          </p:cNvPr>
-          <p:cNvSpPr/>
-          <p:nvPr/>
-        </p:nvSpPr>
-        <p:spPr>
-          <a:xfrm>
-            <a:off x="8699802" y="5256641"/>
-            <a:ext cx="1047416" cy="409907"/>
-          </a:xfrm>
-          <a:prstGeom prst="roundRect">
-            <a:avLst>
-              <a:gd name="adj" fmla="val 16667"/>
-            </a:avLst>
-          </a:prstGeom>
-          <a:solidFill>
-            <a:srgbClr val="4472C4"/>
-          </a:solidFill>
-          <a:ln>
-            <a:solidFill>
-              <a:schemeClr val="tx1"/>
-            </a:solidFill>
-          </a:ln>
-        </p:spPr>
-        <p:style>
-          <a:lnRef idx="2">
-            <a:schemeClr val="accent1">
-              <a:shade val="50000"/>
-            </a:schemeClr>
-          </a:lnRef>
-          <a:fillRef idx="1">
-            <a:schemeClr val="accent1"/>
-          </a:fillRef>
-          <a:effectRef idx="0">
-            <a:schemeClr val="accent1"/>
-          </a:effectRef>
-          <a:fontRef idx="minor"/>
-        </p:style>
-        <p:txBody>
-          <a:bodyPr lIns="90000" tIns="90000" rIns="90000" bIns="90000" anchor="ctr">
-            <a:noAutofit/>
-          </a:bodyPr>
-          <a:lstStyle/>
-          <a:p>
-            <a:pPr algn="ctr">
-              <a:lnSpc>
-                <a:spcPct val="100000"/>
-              </a:lnSpc>
-            </a:pPr>
-            <a:r>
-              <a:rPr lang="fr-FR" sz="1400" spc="-1" dirty="0">
-                <a:latin typeface="Calibri"/>
-                <a:ea typeface="DejaVu Sans"/>
-              </a:rPr>
-              <a:t>CLK</a:t>
-            </a:r>
-            <a:endParaRPr lang="fr-FR" sz="1400" b="0" strike="noStrike" spc="-1" dirty="0">
               <a:latin typeface="Arial"/>
             </a:endParaRPr>
           </a:p>
@@ -6275,7 +6160,7 @@
         </p:nvSpPr>
         <p:spPr>
           <a:xfrm>
-            <a:off x="8699802" y="2363405"/>
+            <a:off x="8370618" y="2363405"/>
             <a:ext cx="1047416" cy="241679"/>
           </a:xfrm>
           <a:prstGeom prst="roundRect">
@@ -6344,7 +6229,7 @@
         </p:nvSpPr>
         <p:spPr>
           <a:xfrm>
-            <a:off x="8699802" y="2940801"/>
+            <a:off x="8370618" y="2940801"/>
             <a:ext cx="1047416" cy="233942"/>
           </a:xfrm>
           <a:prstGeom prst="roundRect">
@@ -6414,7 +6299,7 @@
         <p:spPr>
           <a:xfrm>
             <a:off x="7396411" y="2936242"/>
-            <a:ext cx="853920" cy="250380"/>
+            <a:ext cx="604589" cy="250380"/>
           </a:xfrm>
           <a:prstGeom prst="roundRect">
             <a:avLst>
@@ -6484,7 +6369,7 @@
         <p:spPr>
           <a:xfrm>
             <a:off x="7396411" y="2364207"/>
-            <a:ext cx="853920" cy="250380"/>
+            <a:ext cx="604589" cy="250380"/>
           </a:xfrm>
           <a:prstGeom prst="roundRect">
             <a:avLst>
@@ -6648,8 +6533,8 @@
         </p:nvCxnSpPr>
         <p:spPr>
           <a:xfrm flipV="1">
-            <a:off x="8250331" y="2484245"/>
-            <a:ext cx="449471" cy="5152"/>
+            <a:off x="8001000" y="2484245"/>
+            <a:ext cx="369618" cy="5152"/>
           </a:xfrm>
           <a:prstGeom prst="straightConnector1">
             <a:avLst/>
@@ -6688,13 +6573,14 @@
           <p:cNvCxnSpPr>
             <a:cxnSpLocks/>
             <a:stCxn id="141" idx="3"/>
+            <a:endCxn id="140" idx="1"/>
           </p:cNvCxnSpPr>
           <p:nvPr/>
         </p:nvCxnSpPr>
         <p:spPr>
           <a:xfrm flipV="1">
-            <a:off x="8250331" y="3056446"/>
-            <a:ext cx="449471" cy="4986"/>
+            <a:off x="8001000" y="3057772"/>
+            <a:ext cx="369618" cy="3660"/>
           </a:xfrm>
           <a:prstGeom prst="straightConnector1">
             <a:avLst/>
@@ -7381,7 +7267,7 @@
         </p:nvSpPr>
         <p:spPr>
           <a:xfrm>
-            <a:off x="8633183" y="1481325"/>
+            <a:off x="8303999" y="1481325"/>
             <a:ext cx="1180654" cy="641158"/>
           </a:xfrm>
           <a:prstGeom prst="rect">
